--- a/Virtualização no Ambiente de Desenvolvimento.pptx
+++ b/Virtualização no Ambiente de Desenvolvimento.pptx
@@ -113,6 +113,11 @@
       </a:defRPr>
     </a:lvl9pPr>
   </p:defaultTextStyle>
+  <p:extLst>
+    <p:ext uri="{EFAFB233-063F-42B5-8137-9DF3F51BA10A}">
+      <p15:sldGuideLst xmlns:p15="http://schemas.microsoft.com/office/powerpoint/2012/main"/>
+    </p:ext>
+  </p:extLst>
 </p:presentation>
 </file>
 
@@ -6227,7 +6232,7 @@
           <a:bodyPr/>
           <a:lstStyle/>
           <a:p>
-            <a:pPr algn="ctr"/>
+            <a:pPr algn="just"/>
             <a:r>
               <a:rPr lang="pt-BR" dirty="0">
                 <a:hlinkClick r:id="rId2"/>
@@ -6239,6 +6244,16 @@
                 <a:hlinkClick r:id="rId2"/>
               </a:rPr>
               <a:t>github.com/gusmorini/projeto</a:t>
+            </a:r>
+            <a:endParaRPr lang="pt-BR" dirty="0" smtClean="0"/>
+          </a:p>
+          <a:p>
+            <a:pPr algn="just"/>
+            <a:r>
+              <a:rPr lang="pt-BR" dirty="0">
+                <a:hlinkClick r:id="rId3"/>
+              </a:rPr>
+              <a:t>https://github.com/gusmorini/presentation</a:t>
             </a:r>
             <a:endParaRPr lang="pt-BR" dirty="0" smtClean="0"/>
           </a:p>

--- a/Virtualização no Ambiente de Desenvolvimento.pptx
+++ b/Virtualização no Ambiente de Desenvolvimento.pptx
@@ -307,7 +307,7 @@
           <a:p>
             <a:fld id="{70BAA898-5EC8-498E-9311-796D099E57FF}" type="datetimeFigureOut">
               <a:rPr lang="pt-BR" smtClean="0"/>
-              <a:t>28/06/2019</a:t>
+              <a:t>29/06/2019</a:t>
             </a:fld>
             <a:endParaRPr lang="pt-BR"/>
           </a:p>
@@ -582,7 +582,7 @@
           <a:p>
             <a:fld id="{70BAA898-5EC8-498E-9311-796D099E57FF}" type="datetimeFigureOut">
               <a:rPr lang="pt-BR" smtClean="0"/>
-              <a:t>28/06/2019</a:t>
+              <a:t>29/06/2019</a:t>
             </a:fld>
             <a:endParaRPr lang="pt-BR"/>
           </a:p>
@@ -776,7 +776,7 @@
           <a:p>
             <a:fld id="{70BAA898-5EC8-498E-9311-796D099E57FF}" type="datetimeFigureOut">
               <a:rPr lang="pt-BR" smtClean="0"/>
-              <a:t>28/06/2019</a:t>
+              <a:t>29/06/2019</a:t>
             </a:fld>
             <a:endParaRPr lang="pt-BR"/>
           </a:p>
@@ -1049,7 +1049,7 @@
           <a:p>
             <a:fld id="{70BAA898-5EC8-498E-9311-796D099E57FF}" type="datetimeFigureOut">
               <a:rPr lang="pt-BR" smtClean="0"/>
-              <a:t>28/06/2019</a:t>
+              <a:t>29/06/2019</a:t>
             </a:fld>
             <a:endParaRPr lang="pt-BR"/>
           </a:p>
@@ -1390,7 +1390,7 @@
           <a:p>
             <a:fld id="{70BAA898-5EC8-498E-9311-796D099E57FF}" type="datetimeFigureOut">
               <a:rPr lang="pt-BR" smtClean="0"/>
-              <a:t>28/06/2019</a:t>
+              <a:t>29/06/2019</a:t>
             </a:fld>
             <a:endParaRPr lang="pt-BR"/>
           </a:p>
@@ -2013,7 +2013,7 @@
           <a:p>
             <a:fld id="{70BAA898-5EC8-498E-9311-796D099E57FF}" type="datetimeFigureOut">
               <a:rPr lang="pt-BR" smtClean="0"/>
-              <a:t>28/06/2019</a:t>
+              <a:t>29/06/2019</a:t>
             </a:fld>
             <a:endParaRPr lang="pt-BR"/>
           </a:p>
@@ -2873,7 +2873,7 @@
           <a:p>
             <a:fld id="{70BAA898-5EC8-498E-9311-796D099E57FF}" type="datetimeFigureOut">
               <a:rPr lang="pt-BR" smtClean="0"/>
-              <a:t>28/06/2019</a:t>
+              <a:t>29/06/2019</a:t>
             </a:fld>
             <a:endParaRPr lang="pt-BR"/>
           </a:p>
@@ -3043,7 +3043,7 @@
           <a:p>
             <a:fld id="{70BAA898-5EC8-498E-9311-796D099E57FF}" type="datetimeFigureOut">
               <a:rPr lang="pt-BR" smtClean="0"/>
-              <a:t>28/06/2019</a:t>
+              <a:t>29/06/2019</a:t>
             </a:fld>
             <a:endParaRPr lang="pt-BR"/>
           </a:p>
@@ -3223,7 +3223,7 @@
           <a:p>
             <a:fld id="{70BAA898-5EC8-498E-9311-796D099E57FF}" type="datetimeFigureOut">
               <a:rPr lang="pt-BR" smtClean="0"/>
-              <a:t>28/06/2019</a:t>
+              <a:t>29/06/2019</a:t>
             </a:fld>
             <a:endParaRPr lang="pt-BR"/>
           </a:p>
@@ -3393,7 +3393,7 @@
           <a:p>
             <a:fld id="{70BAA898-5EC8-498E-9311-796D099E57FF}" type="datetimeFigureOut">
               <a:rPr lang="pt-BR" smtClean="0"/>
-              <a:t>28/06/2019</a:t>
+              <a:t>29/06/2019</a:t>
             </a:fld>
             <a:endParaRPr lang="pt-BR"/>
           </a:p>
@@ -3640,7 +3640,7 @@
           <a:p>
             <a:fld id="{70BAA898-5EC8-498E-9311-796D099E57FF}" type="datetimeFigureOut">
               <a:rPr lang="pt-BR" smtClean="0"/>
-              <a:t>28/06/2019</a:t>
+              <a:t>29/06/2019</a:t>
             </a:fld>
             <a:endParaRPr lang="pt-BR"/>
           </a:p>
@@ -3932,7 +3932,7 @@
           <a:p>
             <a:fld id="{70BAA898-5EC8-498E-9311-796D099E57FF}" type="datetimeFigureOut">
               <a:rPr lang="pt-BR" smtClean="0"/>
-              <a:t>28/06/2019</a:t>
+              <a:t>29/06/2019</a:t>
             </a:fld>
             <a:endParaRPr lang="pt-BR"/>
           </a:p>
@@ -4376,7 +4376,7 @@
           <a:p>
             <a:fld id="{70BAA898-5EC8-498E-9311-796D099E57FF}" type="datetimeFigureOut">
               <a:rPr lang="pt-BR" smtClean="0"/>
-              <a:t>28/06/2019</a:t>
+              <a:t>29/06/2019</a:t>
             </a:fld>
             <a:endParaRPr lang="pt-BR"/>
           </a:p>
@@ -4494,7 +4494,7 @@
           <a:p>
             <a:fld id="{70BAA898-5EC8-498E-9311-796D099E57FF}" type="datetimeFigureOut">
               <a:rPr lang="pt-BR" smtClean="0"/>
-              <a:t>28/06/2019</a:t>
+              <a:t>29/06/2019</a:t>
             </a:fld>
             <a:endParaRPr lang="pt-BR"/>
           </a:p>
@@ -4589,7 +4589,7 @@
           <a:p>
             <a:fld id="{70BAA898-5EC8-498E-9311-796D099E57FF}" type="datetimeFigureOut">
               <a:rPr lang="pt-BR" smtClean="0"/>
-              <a:t>28/06/2019</a:t>
+              <a:t>29/06/2019</a:t>
             </a:fld>
             <a:endParaRPr lang="pt-BR"/>
           </a:p>
@@ -4868,7 +4868,7 @@
           <a:p>
             <a:fld id="{70BAA898-5EC8-498E-9311-796D099E57FF}" type="datetimeFigureOut">
               <a:rPr lang="pt-BR" smtClean="0"/>
-              <a:t>28/06/2019</a:t>
+              <a:t>29/06/2019</a:t>
             </a:fld>
             <a:endParaRPr lang="pt-BR"/>
           </a:p>
@@ -5143,7 +5143,7 @@
           <a:p>
             <a:fld id="{70BAA898-5EC8-498E-9311-796D099E57FF}" type="datetimeFigureOut">
               <a:rPr lang="pt-BR" smtClean="0"/>
-              <a:t>28/06/2019</a:t>
+              <a:t>29/06/2019</a:t>
             </a:fld>
             <a:endParaRPr lang="pt-BR"/>
           </a:p>
@@ -5572,7 +5572,7 @@
           <a:p>
             <a:fld id="{70BAA898-5EC8-498E-9311-796D099E57FF}" type="datetimeFigureOut">
               <a:rPr lang="pt-BR" smtClean="0"/>
-              <a:t>28/06/2019</a:t>
+              <a:t>29/06/2019</a:t>
             </a:fld>
             <a:endParaRPr lang="pt-BR"/>
           </a:p>
@@ -6526,7 +6526,7 @@
           </p:nvPr>
         </p:nvPicPr>
         <p:blipFill>
-          <a:blip r:embed="rId2">
+          <a:blip r:embed="rId2" cstate="print">
             <a:extLst>
               <a:ext uri="{28A0092B-C50C-407E-A947-70E740481C1C}">
                 <a14:useLocalDpi xmlns:a14="http://schemas.microsoft.com/office/drawing/2010/main" val="0"/>
@@ -6539,8 +6539,8 @@
         </p:blipFill>
         <p:spPr>
           <a:xfrm>
-            <a:off x="3479007" y="2358579"/>
-            <a:ext cx="4195762" cy="3583880"/>
+            <a:off x="3568372" y="2358579"/>
+            <a:ext cx="4017031" cy="3583880"/>
           </a:xfrm>
         </p:spPr>
       </p:pic>
